--- a/Specification/Spanish/Editable source images/Imágenes Spec Parte 8 - Elementos externos.pptx
+++ b/Specification/Spanish/Editable source images/Imágenes Spec Parte 8 - Elementos externos.pptx
@@ -10,8 +10,9 @@
     <p:sldId id="286" r:id="rId4"/>
     <p:sldId id="289" r:id="rId5"/>
     <p:sldId id="290" r:id="rId6"/>
-    <p:sldId id="291" r:id="rId7"/>
-    <p:sldId id="292" r:id="rId8"/>
+    <p:sldId id="293" r:id="rId7"/>
+    <p:sldId id="291" r:id="rId8"/>
+    <p:sldId id="292" r:id="rId9"/>
   </p:sldIdLst>
   <p:sldSz cx="12192000" cy="6858000"/>
   <p:notesSz cx="6858000" cy="9144000"/>
@@ -277,7 +278,7 @@
             <a:fld id="{EFBC5A1B-75D9-4BC9-8C41-860857045191}" type="datetimeFigureOut">
               <a:rPr lang="es-ES" smtClean="0"/>
               <a:pPr/>
-              <a:t>10/12/2023</a:t>
+              <a:t>17/01/2024</a:t>
             </a:fld>
             <a:endParaRPr lang="es-ES"/>
           </a:p>
@@ -477,7 +478,7 @@
             <a:fld id="{EFBC5A1B-75D9-4BC9-8C41-860857045191}" type="datetimeFigureOut">
               <a:rPr lang="es-ES" smtClean="0"/>
               <a:pPr/>
-              <a:t>10/12/2023</a:t>
+              <a:t>17/01/2024</a:t>
             </a:fld>
             <a:endParaRPr lang="es-ES"/>
           </a:p>
@@ -687,7 +688,7 @@
             <a:fld id="{EFBC5A1B-75D9-4BC9-8C41-860857045191}" type="datetimeFigureOut">
               <a:rPr lang="es-ES" smtClean="0"/>
               <a:pPr/>
-              <a:t>10/12/2023</a:t>
+              <a:t>17/01/2024</a:t>
             </a:fld>
             <a:endParaRPr lang="es-ES"/>
           </a:p>
@@ -887,7 +888,7 @@
             <a:fld id="{EFBC5A1B-75D9-4BC9-8C41-860857045191}" type="datetimeFigureOut">
               <a:rPr lang="es-ES" smtClean="0"/>
               <a:pPr/>
-              <a:t>10/12/2023</a:t>
+              <a:t>17/01/2024</a:t>
             </a:fld>
             <a:endParaRPr lang="es-ES"/>
           </a:p>
@@ -1164,7 +1165,7 @@
             <a:fld id="{EFBC5A1B-75D9-4BC9-8C41-860857045191}" type="datetimeFigureOut">
               <a:rPr lang="es-ES" smtClean="0"/>
               <a:pPr/>
-              <a:t>10/12/2023</a:t>
+              <a:t>17/01/2024</a:t>
             </a:fld>
             <a:endParaRPr lang="es-ES"/>
           </a:p>
@@ -1431,7 +1432,7 @@
             <a:fld id="{EFBC5A1B-75D9-4BC9-8C41-860857045191}" type="datetimeFigureOut">
               <a:rPr lang="es-ES" smtClean="0"/>
               <a:pPr/>
-              <a:t>10/12/2023</a:t>
+              <a:t>17/01/2024</a:t>
             </a:fld>
             <a:endParaRPr lang="es-ES"/>
           </a:p>
@@ -1845,7 +1846,7 @@
             <a:fld id="{EFBC5A1B-75D9-4BC9-8C41-860857045191}" type="datetimeFigureOut">
               <a:rPr lang="es-ES" smtClean="0"/>
               <a:pPr/>
-              <a:t>10/12/2023</a:t>
+              <a:t>17/01/2024</a:t>
             </a:fld>
             <a:endParaRPr lang="es-ES"/>
           </a:p>
@@ -1988,7 +1989,7 @@
             <a:fld id="{EFBC5A1B-75D9-4BC9-8C41-860857045191}" type="datetimeFigureOut">
               <a:rPr lang="es-ES" smtClean="0"/>
               <a:pPr/>
-              <a:t>10/12/2023</a:t>
+              <a:t>17/01/2024</a:t>
             </a:fld>
             <a:endParaRPr lang="es-ES"/>
           </a:p>
@@ -2103,7 +2104,7 @@
             <a:fld id="{EFBC5A1B-75D9-4BC9-8C41-860857045191}" type="datetimeFigureOut">
               <a:rPr lang="es-ES" smtClean="0"/>
               <a:pPr/>
-              <a:t>10/12/2023</a:t>
+              <a:t>17/01/2024</a:t>
             </a:fld>
             <a:endParaRPr lang="es-ES"/>
           </a:p>
@@ -2416,7 +2417,7 @@
             <a:fld id="{EFBC5A1B-75D9-4BC9-8C41-860857045191}" type="datetimeFigureOut">
               <a:rPr lang="es-ES" smtClean="0"/>
               <a:pPr/>
-              <a:t>10/12/2023</a:t>
+              <a:t>17/01/2024</a:t>
             </a:fld>
             <a:endParaRPr lang="es-ES"/>
           </a:p>
@@ -2706,7 +2707,7 @@
             <a:fld id="{EFBC5A1B-75D9-4BC9-8C41-860857045191}" type="datetimeFigureOut">
               <a:rPr lang="es-ES" smtClean="0"/>
               <a:pPr/>
-              <a:t>10/12/2023</a:t>
+              <a:t>17/01/2024</a:t>
             </a:fld>
             <a:endParaRPr lang="es-ES"/>
           </a:p>
@@ -2949,7 +2950,7 @@
             <a:fld id="{EFBC5A1B-75D9-4BC9-8C41-860857045191}" type="datetimeFigureOut">
               <a:rPr lang="es-ES" smtClean="0"/>
               <a:pPr/>
-              <a:t>10/12/2023</a:t>
+              <a:t>17/01/2024</a:t>
             </a:fld>
             <a:endParaRPr lang="es-ES"/>
           </a:p>
@@ -9093,104 +9094,250 @@
       </p:grpSpPr>
       <p:sp>
         <p:nvSpPr>
-          <p:cNvPr id="4" name="3 Rectángulo redondeado"/>
+          <p:cNvPr id="5" name="4 Rectángulo redondeado"/>
           <p:cNvSpPr/>
           <p:nvPr/>
         </p:nvSpPr>
         <p:spPr>
           <a:xfrm>
-            <a:off x="4007768" y="1664804"/>
-            <a:ext cx="4248472" cy="1296144"/>
+            <a:off x="2603612" y="1844824"/>
+            <a:ext cx="1288630" cy="2270444"/>
           </a:xfrm>
           <a:prstGeom prst="roundRect">
             <a:avLst>
-              <a:gd name="adj" fmla="val 11157"/>
+              <a:gd name="adj" fmla="val 11068"/>
             </a:avLst>
           </a:prstGeom>
           <a:solidFill>
-            <a:srgbClr val="99FFCC">
-              <a:alpha val="50196"/>
-            </a:srgbClr>
+            <a:schemeClr val="bg1">
+              <a:lumMod val="65000"/>
+            </a:schemeClr>
           </a:solidFill>
-          <a:ln w="28575">
+          <a:ln w="76200">
             <a:solidFill>
-              <a:srgbClr val="00B050"/>
+              <a:schemeClr val="tx1"/>
             </a:solidFill>
-            <a:prstDash val="dash"/>
           </a:ln>
         </p:spPr>
         <p:style>
           <a:lnRef idx="2">
-            <a:schemeClr val="dk1"/>
+            <a:schemeClr val="accent1">
+              <a:shade val="50000"/>
+            </a:schemeClr>
           </a:lnRef>
           <a:fillRef idx="1">
-            <a:schemeClr val="lt1"/>
+            <a:schemeClr val="accent1"/>
           </a:fillRef>
           <a:effectRef idx="0">
-            <a:schemeClr val="dk1"/>
+            <a:schemeClr val="accent1"/>
           </a:effectRef>
           <a:fontRef idx="minor">
-            <a:schemeClr val="dk1"/>
+            <a:schemeClr val="lt1"/>
           </a:fontRef>
         </p:style>
         <p:txBody>
-          <a:bodyPr rtlCol="0" anchor="t"/>
+          <a:bodyPr rtlCol="0" anchor="ctr"/>
           <a:lstStyle/>
           <a:p>
             <a:pPr algn="ctr"/>
-            <a:r>
-              <a:rPr lang="es-ES" sz="1600" smtClean="0">
-                <a:solidFill>
-                  <a:srgbClr val="006600"/>
-                </a:solidFill>
-              </a:rPr>
-              <a:t>Cartucho</a:t>
-            </a:r>
-            <a:endParaRPr lang="es-ES" sz="1600">
-              <a:solidFill>
-                <a:srgbClr val="006600"/>
-              </a:solidFill>
-            </a:endParaRPr>
-          </a:p>
-        </p:txBody>
-      </p:sp>
-      <p:sp>
-        <p:nvSpPr>
-          <p:cNvPr id="5" name="4 Rectángulo redondeado"/>
+            <a:endParaRPr lang="es-ES"/>
+          </a:p>
+        </p:txBody>
+      </p:sp>
+      <p:sp>
+        <p:nvSpPr>
+          <p:cNvPr id="6" name="5 Elipse"/>
           <p:cNvSpPr/>
           <p:nvPr/>
         </p:nvSpPr>
         <p:spPr>
           <a:xfrm>
-            <a:off x="6888088" y="2168860"/>
-            <a:ext cx="1152128" cy="576064"/>
+            <a:off x="2971792" y="2213004"/>
+            <a:ext cx="552270" cy="552270"/>
+          </a:xfrm>
+          <a:prstGeom prst="ellipse">
+            <a:avLst/>
+          </a:prstGeom>
+          <a:solidFill>
+            <a:schemeClr val="tx1">
+              <a:lumMod val="75000"/>
+              <a:lumOff val="25000"/>
+            </a:schemeClr>
+          </a:solidFill>
+          <a:ln w="76200">
+            <a:solidFill>
+              <a:schemeClr val="tx1"/>
+            </a:solidFill>
+          </a:ln>
+        </p:spPr>
+        <p:style>
+          <a:lnRef idx="2">
+            <a:schemeClr val="accent1">
+              <a:shade val="50000"/>
+            </a:schemeClr>
+          </a:lnRef>
+          <a:fillRef idx="1">
+            <a:schemeClr val="accent1"/>
+          </a:fillRef>
+          <a:effectRef idx="0">
+            <a:schemeClr val="accent1"/>
+          </a:effectRef>
+          <a:fontRef idx="minor">
+            <a:schemeClr val="lt1"/>
+          </a:fontRef>
+        </p:style>
+        <p:txBody>
+          <a:bodyPr rtlCol="0" anchor="ctr"/>
+          <a:lstStyle/>
+          <a:p>
+            <a:pPr algn="ctr"/>
+            <a:endParaRPr lang="es-ES"/>
+          </a:p>
+        </p:txBody>
+      </p:sp>
+      <p:sp>
+        <p:nvSpPr>
+          <p:cNvPr id="7" name="6 Elipse"/>
+          <p:cNvSpPr/>
+          <p:nvPr/>
+        </p:nvSpPr>
+        <p:spPr>
+          <a:xfrm>
+            <a:off x="2849065" y="3072091"/>
+            <a:ext cx="797723" cy="797723"/>
+          </a:xfrm>
+          <a:prstGeom prst="ellipse">
+            <a:avLst/>
+          </a:prstGeom>
+          <a:solidFill>
+            <a:schemeClr val="tx1">
+              <a:lumMod val="75000"/>
+              <a:lumOff val="25000"/>
+            </a:schemeClr>
+          </a:solidFill>
+          <a:ln w="76200">
+            <a:solidFill>
+              <a:schemeClr val="tx1"/>
+            </a:solidFill>
+          </a:ln>
+        </p:spPr>
+        <p:style>
+          <a:lnRef idx="2">
+            <a:schemeClr val="accent1">
+              <a:shade val="50000"/>
+            </a:schemeClr>
+          </a:lnRef>
+          <a:fillRef idx="1">
+            <a:schemeClr val="accent1"/>
+          </a:fillRef>
+          <a:effectRef idx="0">
+            <a:schemeClr val="accent1"/>
+          </a:effectRef>
+          <a:fontRef idx="minor">
+            <a:schemeClr val="lt1"/>
+          </a:fontRef>
+        </p:style>
+        <p:txBody>
+          <a:bodyPr rtlCol="0" anchor="ctr"/>
+          <a:lstStyle/>
+          <a:p>
+            <a:pPr algn="ctr"/>
+            <a:endParaRPr lang="es-ES"/>
+          </a:p>
+        </p:txBody>
+      </p:sp>
+      <p:sp>
+        <p:nvSpPr>
+          <p:cNvPr id="8" name="7 Elipse"/>
+          <p:cNvSpPr/>
+          <p:nvPr/>
+        </p:nvSpPr>
+        <p:spPr>
+          <a:xfrm>
+            <a:off x="2971792" y="3194817"/>
+            <a:ext cx="552270" cy="552270"/>
+          </a:xfrm>
+          <a:prstGeom prst="ellipse">
+            <a:avLst/>
+          </a:prstGeom>
+          <a:solidFill>
+            <a:schemeClr val="tx1">
+              <a:lumMod val="75000"/>
+              <a:lumOff val="25000"/>
+            </a:schemeClr>
+          </a:solidFill>
+          <a:ln w="76200">
+            <a:solidFill>
+              <a:schemeClr val="tx1"/>
+            </a:solidFill>
+          </a:ln>
+        </p:spPr>
+        <p:style>
+          <a:lnRef idx="2">
+            <a:schemeClr val="accent1">
+              <a:shade val="50000"/>
+            </a:schemeClr>
+          </a:lnRef>
+          <a:fillRef idx="1">
+            <a:schemeClr val="accent1"/>
+          </a:fillRef>
+          <a:effectRef idx="0">
+            <a:schemeClr val="accent1"/>
+          </a:effectRef>
+          <a:fontRef idx="minor">
+            <a:schemeClr val="lt1"/>
+          </a:fontRef>
+        </p:style>
+        <p:txBody>
+          <a:bodyPr rtlCol="0" anchor="ctr"/>
+          <a:lstStyle/>
+          <a:p>
+            <a:pPr algn="ctr"/>
+            <a:endParaRPr lang="es-ES"/>
+          </a:p>
+        </p:txBody>
+      </p:sp>
+      <p:sp>
+        <p:nvSpPr>
+          <p:cNvPr id="9" name="8 Rectángulo redondeado"/>
+          <p:cNvSpPr/>
+          <p:nvPr/>
+        </p:nvSpPr>
+        <p:spPr>
+          <a:xfrm>
+            <a:off x="8371766" y="1844824"/>
+            <a:ext cx="1288630" cy="2270444"/>
           </a:xfrm>
           <a:prstGeom prst="roundRect">
             <a:avLst>
-              <a:gd name="adj" fmla="val 12476"/>
+              <a:gd name="adj" fmla="val 11068"/>
             </a:avLst>
           </a:prstGeom>
           <a:solidFill>
-            <a:srgbClr val="99FFCC"/>
+            <a:schemeClr val="bg1">
+              <a:lumMod val="65000"/>
+            </a:schemeClr>
           </a:solidFill>
-          <a:ln w="19050">
+          <a:ln w="76200">
             <a:solidFill>
-              <a:srgbClr val="00B050"/>
+              <a:schemeClr val="tx1"/>
             </a:solidFill>
           </a:ln>
         </p:spPr>
         <p:style>
           <a:lnRef idx="2">
-            <a:schemeClr val="dk1"/>
+            <a:schemeClr val="accent1">
+              <a:shade val="50000"/>
+            </a:schemeClr>
           </a:lnRef>
           <a:fillRef idx="1">
-            <a:schemeClr val="lt1"/>
+            <a:schemeClr val="accent1"/>
           </a:fillRef>
           <a:effectRef idx="0">
-            <a:schemeClr val="dk1"/>
+            <a:schemeClr val="accent1"/>
           </a:effectRef>
           <a:fontRef idx="minor">
-            <a:schemeClr val="dk1"/>
+            <a:schemeClr val="lt1"/>
           </a:fontRef>
         </p:style>
         <p:txBody>
@@ -9198,67 +9345,50 @@
           <a:lstStyle/>
           <a:p>
             <a:pPr algn="ctr"/>
-            <a:r>
-              <a:rPr lang="es-ES" sz="1200" smtClean="0"/>
-              <a:t>ROM Audio</a:t>
-            </a:r>
-            <a:endParaRPr lang="es-ES" sz="1200"/>
-          </a:p>
-          <a:p>
-            <a:pPr algn="ctr"/>
-            <a:r>
-              <a:rPr lang="es-ES" sz="1100" smtClean="0">
-                <a:solidFill>
-                  <a:srgbClr val="006600"/>
-                </a:solidFill>
-              </a:rPr>
-              <a:t>(sonidos)</a:t>
-            </a:r>
-            <a:endParaRPr lang="es-ES" sz="1100">
-              <a:solidFill>
-                <a:srgbClr val="006600"/>
-              </a:solidFill>
-            </a:endParaRPr>
-          </a:p>
-        </p:txBody>
-      </p:sp>
-      <p:sp>
-        <p:nvSpPr>
-          <p:cNvPr id="6" name="5 Rectángulo redondeado"/>
+            <a:endParaRPr lang="es-ES"/>
+          </a:p>
+        </p:txBody>
+      </p:sp>
+      <p:sp>
+        <p:nvSpPr>
+          <p:cNvPr id="10" name="9 Elipse"/>
           <p:cNvSpPr/>
           <p:nvPr/>
         </p:nvSpPr>
         <p:spPr>
           <a:xfrm>
-            <a:off x="5555940" y="2168860"/>
-            <a:ext cx="1152128" cy="576064"/>
-          </a:xfrm>
-          <a:prstGeom prst="roundRect">
-            <a:avLst>
-              <a:gd name="adj" fmla="val 12476"/>
-            </a:avLst>
+            <a:off x="8739946" y="2213004"/>
+            <a:ext cx="552270" cy="552270"/>
+          </a:xfrm>
+          <a:prstGeom prst="ellipse">
+            <a:avLst/>
           </a:prstGeom>
           <a:solidFill>
-            <a:srgbClr val="99FFCC"/>
+            <a:schemeClr val="tx1">
+              <a:lumMod val="75000"/>
+              <a:lumOff val="25000"/>
+            </a:schemeClr>
           </a:solidFill>
-          <a:ln w="19050">
+          <a:ln w="76200">
             <a:solidFill>
-              <a:srgbClr val="00B050"/>
+              <a:schemeClr val="tx1"/>
             </a:solidFill>
           </a:ln>
         </p:spPr>
         <p:style>
           <a:lnRef idx="2">
-            <a:schemeClr val="dk1"/>
+            <a:schemeClr val="accent1">
+              <a:shade val="50000"/>
+            </a:schemeClr>
           </a:lnRef>
           <a:fillRef idx="1">
-            <a:schemeClr val="lt1"/>
+            <a:schemeClr val="accent1"/>
           </a:fillRef>
           <a:effectRef idx="0">
-            <a:schemeClr val="dk1"/>
+            <a:schemeClr val="accent1"/>
           </a:effectRef>
           <a:fontRef idx="minor">
-            <a:schemeClr val="dk1"/>
+            <a:schemeClr val="lt1"/>
           </a:fontRef>
         </p:style>
         <p:txBody>
@@ -9266,78 +9396,50 @@
           <a:lstStyle/>
           <a:p>
             <a:pPr algn="ctr"/>
-            <a:r>
-              <a:rPr lang="es-ES" sz="1200" smtClean="0"/>
-              <a:t>ROM Video</a:t>
-            </a:r>
-            <a:endParaRPr lang="es-ES" sz="1200"/>
-          </a:p>
-          <a:p>
-            <a:pPr algn="ctr"/>
-            <a:r>
-              <a:rPr lang="es-ES" sz="1100">
-                <a:solidFill>
-                  <a:srgbClr val="006600"/>
-                </a:solidFill>
-              </a:rPr>
-              <a:t>(</a:t>
-            </a:r>
-            <a:r>
-              <a:rPr lang="es-ES" sz="1100" smtClean="0">
-                <a:solidFill>
-                  <a:srgbClr val="006600"/>
-                </a:solidFill>
-              </a:rPr>
-              <a:t>imágenes</a:t>
-            </a:r>
-            <a:r>
-              <a:rPr lang="es-ES" sz="1100">
-                <a:solidFill>
-                  <a:srgbClr val="006600"/>
-                </a:solidFill>
-              </a:rPr>
-              <a:t>)</a:t>
-            </a:r>
-          </a:p>
-        </p:txBody>
-      </p:sp>
-      <p:sp>
-        <p:nvSpPr>
-          <p:cNvPr id="7" name="6 Rectángulo redondeado"/>
+            <a:endParaRPr lang="es-ES"/>
+          </a:p>
+        </p:txBody>
+      </p:sp>
+      <p:sp>
+        <p:nvSpPr>
+          <p:cNvPr id="11" name="10 Elipse"/>
           <p:cNvSpPr/>
           <p:nvPr/>
         </p:nvSpPr>
         <p:spPr>
           <a:xfrm>
-            <a:off x="4223792" y="2168860"/>
-            <a:ext cx="1152128" cy="576064"/>
-          </a:xfrm>
-          <a:prstGeom prst="roundRect">
-            <a:avLst>
-              <a:gd name="adj" fmla="val 12476"/>
-            </a:avLst>
+            <a:off x="8617219" y="3072091"/>
+            <a:ext cx="797723" cy="797723"/>
+          </a:xfrm>
+          <a:prstGeom prst="ellipse">
+            <a:avLst/>
           </a:prstGeom>
           <a:solidFill>
-            <a:srgbClr val="99FFCC"/>
+            <a:schemeClr val="tx1">
+              <a:lumMod val="75000"/>
+              <a:lumOff val="25000"/>
+            </a:schemeClr>
           </a:solidFill>
-          <a:ln w="19050">
+          <a:ln w="76200">
             <a:solidFill>
-              <a:srgbClr val="00B050"/>
+              <a:schemeClr val="tx1"/>
             </a:solidFill>
           </a:ln>
         </p:spPr>
         <p:style>
           <a:lnRef idx="2">
-            <a:schemeClr val="dk1"/>
+            <a:schemeClr val="accent1">
+              <a:shade val="50000"/>
+            </a:schemeClr>
           </a:lnRef>
           <a:fillRef idx="1">
-            <a:schemeClr val="lt1"/>
+            <a:schemeClr val="accent1"/>
           </a:fillRef>
           <a:effectRef idx="0">
-            <a:schemeClr val="dk1"/>
+            <a:schemeClr val="accent1"/>
           </a:effectRef>
           <a:fontRef idx="minor">
-            <a:schemeClr val="dk1"/>
+            <a:schemeClr val="lt1"/>
           </a:fontRef>
         </p:style>
         <p:txBody>
@@ -9345,161 +9447,541 @@
           <a:lstStyle/>
           <a:p>
             <a:pPr algn="ctr"/>
-            <a:r>
-              <a:rPr lang="es-ES" sz="1150" smtClean="0"/>
-              <a:t>ROM Programa</a:t>
-            </a:r>
-            <a:endParaRPr lang="es-ES" sz="1150"/>
-          </a:p>
-          <a:p>
-            <a:pPr algn="ctr"/>
-            <a:r>
-              <a:rPr lang="es-ES" sz="1100" smtClean="0">
-                <a:solidFill>
-                  <a:srgbClr val="006600"/>
-                </a:solidFill>
-              </a:rPr>
-              <a:t>(palabras)</a:t>
-            </a:r>
-            <a:endParaRPr lang="es-ES" sz="1100">
-              <a:solidFill>
-                <a:srgbClr val="006600"/>
-              </a:solidFill>
-            </a:endParaRPr>
-          </a:p>
-        </p:txBody>
-      </p:sp>
-      <p:sp>
-        <p:nvSpPr>
-          <p:cNvPr id="8" name="7 Rectángulo redondeado"/>
+            <a:endParaRPr lang="es-ES"/>
+          </a:p>
+        </p:txBody>
+      </p:sp>
+      <p:sp>
+        <p:nvSpPr>
+          <p:cNvPr id="12" name="11 Elipse"/>
           <p:cNvSpPr/>
           <p:nvPr/>
         </p:nvSpPr>
         <p:spPr>
           <a:xfrm>
-            <a:off x="5303912" y="3933056"/>
-            <a:ext cx="1656184" cy="1296144"/>
-          </a:xfrm>
-          <a:prstGeom prst="roundRect">
-            <a:avLst>
-              <a:gd name="adj" fmla="val 11157"/>
-            </a:avLst>
+            <a:off x="8739946" y="3194817"/>
+            <a:ext cx="552270" cy="552270"/>
+          </a:xfrm>
+          <a:prstGeom prst="ellipse">
+            <a:avLst/>
           </a:prstGeom>
           <a:solidFill>
-            <a:srgbClr val="99FFCC">
-              <a:alpha val="50196"/>
-            </a:srgbClr>
+            <a:schemeClr val="tx1">
+              <a:lumMod val="75000"/>
+              <a:lumOff val="25000"/>
+            </a:schemeClr>
           </a:solidFill>
-          <a:ln w="28575">
+          <a:ln w="76200">
             <a:solidFill>
-              <a:srgbClr val="00B050"/>
+              <a:schemeClr val="tx1"/>
             </a:solidFill>
-            <a:prstDash val="dash"/>
           </a:ln>
         </p:spPr>
         <p:style>
           <a:lnRef idx="2">
-            <a:schemeClr val="dk1"/>
+            <a:schemeClr val="accent1">
+              <a:shade val="50000"/>
+            </a:schemeClr>
           </a:lnRef>
           <a:fillRef idx="1">
-            <a:schemeClr val="lt1"/>
+            <a:schemeClr val="accent1"/>
           </a:fillRef>
           <a:effectRef idx="0">
-            <a:schemeClr val="dk1"/>
+            <a:schemeClr val="accent1"/>
           </a:effectRef>
           <a:fontRef idx="minor">
-            <a:schemeClr val="dk1"/>
+            <a:schemeClr val="lt1"/>
           </a:fontRef>
         </p:style>
         <p:txBody>
-          <a:bodyPr rtlCol="0" anchor="t"/>
+          <a:bodyPr rtlCol="0" anchor="ctr"/>
           <a:lstStyle/>
           <a:p>
             <a:pPr algn="ctr"/>
-            <a:r>
-              <a:rPr lang="es-ES" sz="1600" smtClean="0">
-                <a:solidFill>
-                  <a:srgbClr val="006600"/>
-                </a:solidFill>
-              </a:rPr>
-              <a:t>Tarj. memoria</a:t>
-            </a:r>
-            <a:endParaRPr lang="es-ES" sz="1600">
+            <a:endParaRPr lang="es-ES"/>
+          </a:p>
+        </p:txBody>
+      </p:sp>
+      <p:grpSp>
+        <p:nvGrpSpPr>
+          <p:cNvPr id="2" name="14 Grupo"/>
+          <p:cNvGrpSpPr/>
+          <p:nvPr/>
+        </p:nvGrpSpPr>
+        <p:grpSpPr>
+          <a:xfrm>
+            <a:off x="3339972" y="2151641"/>
+            <a:ext cx="1718173" cy="1718174"/>
+            <a:chOff x="2123728" y="1700808"/>
+            <a:chExt cx="2016224" cy="2016224"/>
+          </a:xfrm>
+        </p:grpSpPr>
+        <p:sp>
+          <p:nvSpPr>
+            <p:cNvPr id="23" name="11 Arco"/>
+            <p:cNvSpPr/>
+            <p:nvPr/>
+          </p:nvSpPr>
+          <p:spPr>
+            <a:xfrm>
+              <a:off x="2699792" y="2276872"/>
+              <a:ext cx="864096" cy="864096"/>
+            </a:xfrm>
+            <a:prstGeom prst="arc">
+              <a:avLst>
+                <a:gd name="adj1" fmla="val 16200000"/>
+                <a:gd name="adj2" fmla="val 5342938"/>
+              </a:avLst>
+            </a:prstGeom>
+            <a:ln w="76200">
               <a:solidFill>
-                <a:srgbClr val="006600"/>
+                <a:schemeClr val="tx1"/>
               </a:solidFill>
-            </a:endParaRPr>
-          </a:p>
-        </p:txBody>
-      </p:sp>
-      <p:sp>
-        <p:nvSpPr>
-          <p:cNvPr id="11" name="10 Rectángulo redondeado"/>
-          <p:cNvSpPr/>
-          <p:nvPr/>
-        </p:nvSpPr>
-        <p:spPr>
-          <a:xfrm>
-            <a:off x="5555940" y="4437112"/>
-            <a:ext cx="1152128" cy="576064"/>
-          </a:xfrm>
-          <a:prstGeom prst="roundRect">
-            <a:avLst>
-              <a:gd name="adj" fmla="val 12476"/>
-            </a:avLst>
-          </a:prstGeom>
-          <a:solidFill>
-            <a:srgbClr val="99FFCC"/>
-          </a:solidFill>
-          <a:ln w="19050">
+            </a:ln>
+          </p:spPr>
+          <p:style>
+            <a:lnRef idx="1">
+              <a:schemeClr val="accent1"/>
+            </a:lnRef>
+            <a:fillRef idx="0">
+              <a:schemeClr val="accent1"/>
+            </a:fillRef>
+            <a:effectRef idx="0">
+              <a:schemeClr val="accent1"/>
+            </a:effectRef>
+            <a:fontRef idx="minor">
+              <a:schemeClr val="tx1"/>
+            </a:fontRef>
+          </p:style>
+          <p:txBody>
+            <a:bodyPr rtlCol="0" anchor="ctr"/>
+            <a:lstStyle/>
+            <a:p>
+              <a:pPr algn="ctr"/>
+              <a:endParaRPr lang="es-ES"/>
+            </a:p>
+          </p:txBody>
+        </p:sp>
+        <p:sp>
+          <p:nvSpPr>
+            <p:cNvPr id="24" name="12 Arco"/>
+            <p:cNvSpPr/>
+            <p:nvPr/>
+          </p:nvSpPr>
+          <p:spPr>
+            <a:xfrm>
+              <a:off x="2411760" y="1988840"/>
+              <a:ext cx="1440160" cy="1440160"/>
+            </a:xfrm>
+            <a:prstGeom prst="arc">
+              <a:avLst>
+                <a:gd name="adj1" fmla="val 16200000"/>
+                <a:gd name="adj2" fmla="val 5342938"/>
+              </a:avLst>
+            </a:prstGeom>
+            <a:ln w="76200">
+              <a:solidFill>
+                <a:schemeClr val="tx1"/>
+              </a:solidFill>
+            </a:ln>
+          </p:spPr>
+          <p:style>
+            <a:lnRef idx="1">
+              <a:schemeClr val="accent1"/>
+            </a:lnRef>
+            <a:fillRef idx="0">
+              <a:schemeClr val="accent1"/>
+            </a:fillRef>
+            <a:effectRef idx="0">
+              <a:schemeClr val="accent1"/>
+            </a:effectRef>
+            <a:fontRef idx="minor">
+              <a:schemeClr val="tx1"/>
+            </a:fontRef>
+          </p:style>
+          <p:txBody>
+            <a:bodyPr rtlCol="0" anchor="ctr"/>
+            <a:lstStyle/>
+            <a:p>
+              <a:pPr algn="ctr"/>
+              <a:endParaRPr lang="es-ES"/>
+            </a:p>
+          </p:txBody>
+        </p:sp>
+        <p:sp>
+          <p:nvSpPr>
+            <p:cNvPr id="25" name="24 Arco"/>
+            <p:cNvSpPr/>
+            <p:nvPr/>
+          </p:nvSpPr>
+          <p:spPr>
+            <a:xfrm>
+              <a:off x="2123728" y="1700808"/>
+              <a:ext cx="2016224" cy="2016224"/>
+            </a:xfrm>
+            <a:prstGeom prst="arc">
+              <a:avLst>
+                <a:gd name="adj1" fmla="val 16200000"/>
+                <a:gd name="adj2" fmla="val 5342938"/>
+              </a:avLst>
+            </a:prstGeom>
+            <a:ln w="76200">
+              <a:solidFill>
+                <a:schemeClr val="tx1"/>
+              </a:solidFill>
+            </a:ln>
+          </p:spPr>
+          <p:style>
+            <a:lnRef idx="1">
+              <a:schemeClr val="accent1"/>
+            </a:lnRef>
+            <a:fillRef idx="0">
+              <a:schemeClr val="accent1"/>
+            </a:fillRef>
+            <a:effectRef idx="0">
+              <a:schemeClr val="accent1"/>
+            </a:effectRef>
+            <a:fontRef idx="minor">
+              <a:schemeClr val="tx1"/>
+            </a:fontRef>
+          </p:style>
+          <p:txBody>
+            <a:bodyPr rtlCol="0" anchor="ctr"/>
+            <a:lstStyle/>
+            <a:p>
+              <a:pPr algn="ctr"/>
+              <a:endParaRPr lang="es-ES"/>
+            </a:p>
+          </p:txBody>
+        </p:sp>
+      </p:grpSp>
+      <p:grpSp>
+        <p:nvGrpSpPr>
+          <p:cNvPr id="3" name="15 Grupo"/>
+          <p:cNvGrpSpPr/>
+          <p:nvPr/>
+        </p:nvGrpSpPr>
+        <p:grpSpPr>
+          <a:xfrm rot="10800000">
+            <a:off x="7205862" y="2151641"/>
+            <a:ext cx="1718173" cy="1718174"/>
+            <a:chOff x="2123728" y="1700808"/>
+            <a:chExt cx="2016224" cy="2016224"/>
+          </a:xfrm>
+        </p:grpSpPr>
+        <p:sp>
+          <p:nvSpPr>
+            <p:cNvPr id="20" name="19 Arco"/>
+            <p:cNvSpPr/>
+            <p:nvPr/>
+          </p:nvSpPr>
+          <p:spPr>
+            <a:xfrm>
+              <a:off x="2699792" y="2276872"/>
+              <a:ext cx="864096" cy="864096"/>
+            </a:xfrm>
+            <a:prstGeom prst="arc">
+              <a:avLst>
+                <a:gd name="adj1" fmla="val 16200000"/>
+                <a:gd name="adj2" fmla="val 5342938"/>
+              </a:avLst>
+            </a:prstGeom>
+            <a:ln w="76200">
+              <a:solidFill>
+                <a:schemeClr val="tx1"/>
+              </a:solidFill>
+            </a:ln>
+          </p:spPr>
+          <p:style>
+            <a:lnRef idx="1">
+              <a:schemeClr val="accent1"/>
+            </a:lnRef>
+            <a:fillRef idx="0">
+              <a:schemeClr val="accent1"/>
+            </a:fillRef>
+            <a:effectRef idx="0">
+              <a:schemeClr val="accent1"/>
+            </a:effectRef>
+            <a:fontRef idx="minor">
+              <a:schemeClr val="tx1"/>
+            </a:fontRef>
+          </p:style>
+          <p:txBody>
+            <a:bodyPr rtlCol="0" anchor="ctr"/>
+            <a:lstStyle/>
+            <a:p>
+              <a:pPr algn="ctr"/>
+              <a:endParaRPr lang="es-ES"/>
+            </a:p>
+          </p:txBody>
+        </p:sp>
+        <p:sp>
+          <p:nvSpPr>
+            <p:cNvPr id="21" name="20 Arco"/>
+            <p:cNvSpPr/>
+            <p:nvPr/>
+          </p:nvSpPr>
+          <p:spPr>
+            <a:xfrm>
+              <a:off x="2411760" y="1988840"/>
+              <a:ext cx="1440160" cy="1440160"/>
+            </a:xfrm>
+            <a:prstGeom prst="arc">
+              <a:avLst>
+                <a:gd name="adj1" fmla="val 16200000"/>
+                <a:gd name="adj2" fmla="val 5342938"/>
+              </a:avLst>
+            </a:prstGeom>
+            <a:ln w="76200">
+              <a:solidFill>
+                <a:schemeClr val="tx1"/>
+              </a:solidFill>
+            </a:ln>
+          </p:spPr>
+          <p:style>
+            <a:lnRef idx="1">
+              <a:schemeClr val="accent1"/>
+            </a:lnRef>
+            <a:fillRef idx="0">
+              <a:schemeClr val="accent1"/>
+            </a:fillRef>
+            <a:effectRef idx="0">
+              <a:schemeClr val="accent1"/>
+            </a:effectRef>
+            <a:fontRef idx="minor">
+              <a:schemeClr val="tx1"/>
+            </a:fontRef>
+          </p:style>
+          <p:txBody>
+            <a:bodyPr rtlCol="0" anchor="ctr"/>
+            <a:lstStyle/>
+            <a:p>
+              <a:pPr algn="ctr"/>
+              <a:endParaRPr lang="es-ES"/>
+            </a:p>
+          </p:txBody>
+        </p:sp>
+        <p:sp>
+          <p:nvSpPr>
+            <p:cNvPr id="22" name="21 Arco"/>
+            <p:cNvSpPr/>
+            <p:nvPr/>
+          </p:nvSpPr>
+          <p:spPr>
+            <a:xfrm>
+              <a:off x="2123728" y="1700808"/>
+              <a:ext cx="2016224" cy="2016224"/>
+            </a:xfrm>
+            <a:prstGeom prst="arc">
+              <a:avLst>
+                <a:gd name="adj1" fmla="val 16200000"/>
+                <a:gd name="adj2" fmla="val 5342938"/>
+              </a:avLst>
+            </a:prstGeom>
+            <a:ln w="76200">
+              <a:solidFill>
+                <a:schemeClr val="tx1"/>
+              </a:solidFill>
+            </a:ln>
+          </p:spPr>
+          <p:style>
+            <a:lnRef idx="1">
+              <a:schemeClr val="accent1"/>
+            </a:lnRef>
+            <a:fillRef idx="0">
+              <a:schemeClr val="accent1"/>
+            </a:fillRef>
+            <a:effectRef idx="0">
+              <a:schemeClr val="accent1"/>
+            </a:effectRef>
+            <a:fontRef idx="minor">
+              <a:schemeClr val="tx1"/>
+            </a:fontRef>
+          </p:style>
+          <p:txBody>
+            <a:bodyPr rtlCol="0" anchor="ctr"/>
+            <a:lstStyle/>
+            <a:p>
+              <a:pPr algn="ctr"/>
+              <a:endParaRPr lang="es-ES"/>
+            </a:p>
+          </p:txBody>
+        </p:sp>
+      </p:grpSp>
+      <p:sp>
+        <p:nvSpPr>
+          <p:cNvPr id="15" name="14 CuadroTexto"/>
+          <p:cNvSpPr txBox="1"/>
+          <p:nvPr/>
+        </p:nvSpPr>
+        <p:spPr>
+          <a:xfrm>
+            <a:off x="2910429" y="4204837"/>
+            <a:ext cx="736360" cy="708154"/>
+          </a:xfrm>
+          <a:prstGeom prst="rect">
+            <a:avLst/>
+          </a:prstGeom>
+          <a:noFill/>
+        </p:spPr>
+        <p:txBody>
+          <a:bodyPr wrap="square" rtlCol="0">
+            <a:spAutoFit/>
+          </a:bodyPr>
+          <a:lstStyle/>
+          <a:p>
+            <a:pPr algn="ctr"/>
+            <a:r>
+              <a:rPr lang="es-ES" sz="4800" b="1" smtClean="0"/>
+              <a:t>L</a:t>
+            </a:r>
+            <a:endParaRPr lang="es-ES" sz="4800" b="1"/>
+          </a:p>
+        </p:txBody>
+      </p:sp>
+      <p:sp>
+        <p:nvSpPr>
+          <p:cNvPr id="16" name="15 CuadroTexto"/>
+          <p:cNvSpPr txBox="1"/>
+          <p:nvPr/>
+        </p:nvSpPr>
+        <p:spPr>
+          <a:xfrm>
+            <a:off x="8678583" y="4204837"/>
+            <a:ext cx="736360" cy="708154"/>
+          </a:xfrm>
+          <a:prstGeom prst="rect">
+            <a:avLst/>
+          </a:prstGeom>
+          <a:noFill/>
+        </p:spPr>
+        <p:txBody>
+          <a:bodyPr wrap="square" rtlCol="0">
+            <a:spAutoFit/>
+          </a:bodyPr>
+          <a:lstStyle/>
+          <a:p>
+            <a:pPr algn="ctr"/>
+            <a:r>
+              <a:rPr lang="es-ES" sz="4800" b="1" smtClean="0"/>
+              <a:t>R</a:t>
+            </a:r>
+            <a:endParaRPr lang="es-ES" sz="4800" b="1"/>
+          </a:p>
+        </p:txBody>
+      </p:sp>
+      <p:grpSp>
+        <p:nvGrpSpPr>
+          <p:cNvPr id="4" name="25 Grupo"/>
+          <p:cNvGrpSpPr/>
+          <p:nvPr/>
+        </p:nvGrpSpPr>
+        <p:grpSpPr>
+          <a:xfrm>
+            <a:off x="5119509" y="2189729"/>
+            <a:ext cx="2024990" cy="2723262"/>
+            <a:chOff x="3491880" y="1628800"/>
+            <a:chExt cx="2088232" cy="2808312"/>
+          </a:xfrm>
+        </p:grpSpPr>
+        <p:sp>
+          <p:nvSpPr>
+            <p:cNvPr id="18" name="17 Elipse"/>
+            <p:cNvSpPr/>
+            <p:nvPr/>
+          </p:nvSpPr>
+          <p:spPr>
+            <a:xfrm>
+              <a:off x="3851920" y="1628800"/>
+              <a:ext cx="1368152" cy="1368152"/>
+            </a:xfrm>
+            <a:prstGeom prst="ellipse">
+              <a:avLst/>
+            </a:prstGeom>
             <a:solidFill>
-              <a:srgbClr val="00B050"/>
+              <a:schemeClr val="accent1">
+                <a:lumMod val="60000"/>
+                <a:lumOff val="40000"/>
+              </a:schemeClr>
             </a:solidFill>
-          </a:ln>
-        </p:spPr>
-        <p:style>
-          <a:lnRef idx="2">
-            <a:schemeClr val="dk1"/>
-          </a:lnRef>
-          <a:fillRef idx="1">
-            <a:schemeClr val="lt1"/>
-          </a:fillRef>
-          <a:effectRef idx="0">
-            <a:schemeClr val="dk1"/>
-          </a:effectRef>
-          <a:fontRef idx="minor">
-            <a:schemeClr val="dk1"/>
-          </a:fontRef>
-        </p:style>
-        <p:txBody>
-          <a:bodyPr rtlCol="0" anchor="ctr"/>
-          <a:lstStyle/>
-          <a:p>
-            <a:pPr algn="ctr"/>
-            <a:r>
-              <a:rPr lang="es-ES" sz="1200" smtClean="0"/>
-              <a:t>RAM guardado</a:t>
-            </a:r>
-            <a:endParaRPr lang="es-ES" sz="1200"/>
-          </a:p>
-          <a:p>
-            <a:pPr algn="ctr"/>
-            <a:r>
-              <a:rPr lang="es-ES" sz="1100" smtClean="0">
-                <a:solidFill>
-                  <a:srgbClr val="006600"/>
-                </a:solidFill>
-              </a:rPr>
-              <a:t>(palabras)</a:t>
-            </a:r>
-            <a:endParaRPr lang="es-ES" sz="1100">
-              <a:solidFill>
-                <a:srgbClr val="006600"/>
-              </a:solidFill>
-            </a:endParaRPr>
-          </a:p>
-        </p:txBody>
-      </p:sp>
+            <a:ln w="76200"/>
+          </p:spPr>
+          <p:style>
+            <a:lnRef idx="2">
+              <a:schemeClr val="accent1">
+                <a:shade val="50000"/>
+              </a:schemeClr>
+            </a:lnRef>
+            <a:fillRef idx="1">
+              <a:schemeClr val="accent1"/>
+            </a:fillRef>
+            <a:effectRef idx="0">
+              <a:schemeClr val="accent1"/>
+            </a:effectRef>
+            <a:fontRef idx="minor">
+              <a:schemeClr val="lt1"/>
+            </a:fontRef>
+          </p:style>
+          <p:txBody>
+            <a:bodyPr rtlCol="0" anchor="ctr"/>
+            <a:lstStyle/>
+            <a:p>
+              <a:pPr algn="ctr"/>
+              <a:endParaRPr lang="es-ES"/>
+            </a:p>
+          </p:txBody>
+        </p:sp>
+        <p:sp>
+          <p:nvSpPr>
+            <p:cNvPr id="19" name="18 Redondear rectángulo de esquina del mismo lado"/>
+            <p:cNvSpPr/>
+            <p:nvPr/>
+          </p:nvSpPr>
+          <p:spPr>
+            <a:xfrm>
+              <a:off x="3491880" y="3068960"/>
+              <a:ext cx="2088232" cy="1368152"/>
+            </a:xfrm>
+            <a:prstGeom prst="round2SameRect">
+              <a:avLst>
+                <a:gd name="adj1" fmla="val 50000"/>
+                <a:gd name="adj2" fmla="val 0"/>
+              </a:avLst>
+            </a:prstGeom>
+            <a:solidFill>
+              <a:schemeClr val="accent1">
+                <a:lumMod val="60000"/>
+                <a:lumOff val="40000"/>
+              </a:schemeClr>
+            </a:solidFill>
+            <a:ln w="76200"/>
+          </p:spPr>
+          <p:style>
+            <a:lnRef idx="2">
+              <a:schemeClr val="accent1">
+                <a:shade val="50000"/>
+              </a:schemeClr>
+            </a:lnRef>
+            <a:fillRef idx="1">
+              <a:schemeClr val="accent1"/>
+            </a:fillRef>
+            <a:effectRef idx="0">
+              <a:schemeClr val="accent1"/>
+            </a:effectRef>
+            <a:fontRef idx="minor">
+              <a:schemeClr val="lt1"/>
+            </a:fontRef>
+          </p:style>
+          <p:txBody>
+            <a:bodyPr rtlCol="0" anchor="ctr"/>
+            <a:lstStyle/>
+            <a:p>
+              <a:pPr algn="ctr"/>
+              <a:endParaRPr lang="es-ES"/>
+            </a:p>
+          </p:txBody>
+        </p:sp>
+      </p:grpSp>
     </p:spTree>
   </p:cSld>
   <p:clrMapOvr>
@@ -9527,18 +10009,18 @@
       </p:grpSpPr>
       <p:sp>
         <p:nvSpPr>
-          <p:cNvPr id="43" name="42 Rectángulo redondeado"/>
+          <p:cNvPr id="4" name="3 Rectángulo redondeado"/>
           <p:cNvSpPr/>
           <p:nvPr/>
         </p:nvSpPr>
         <p:spPr>
           <a:xfrm>
-            <a:off x="5051884" y="4311098"/>
-            <a:ext cx="2736304" cy="1764196"/>
+            <a:off x="4007768" y="1664804"/>
+            <a:ext cx="4248472" cy="1296144"/>
           </a:xfrm>
           <a:prstGeom prst="roundRect">
             <a:avLst>
-              <a:gd name="adj" fmla="val 11632"/>
+              <a:gd name="adj" fmla="val 11157"/>
             </a:avLst>
           </a:prstGeom>
           <a:solidFill>
@@ -9578,7 +10060,7 @@
                   <a:srgbClr val="006600"/>
                 </a:solidFill>
               </a:rPr>
-              <a:t>Tarjeta de memoria</a:t>
+              <a:t>Cartucho</a:t>
             </a:r>
             <a:endParaRPr lang="es-ES" sz="1600">
               <a:solidFill>
@@ -9590,30 +10072,27 @@
       </p:sp>
       <p:sp>
         <p:nvSpPr>
-          <p:cNvPr id="17" name="16 Rectángulo redondeado"/>
+          <p:cNvPr id="5" name="4 Rectángulo redondeado"/>
           <p:cNvSpPr/>
           <p:nvPr/>
         </p:nvSpPr>
         <p:spPr>
           <a:xfrm>
-            <a:off x="5051884" y="710698"/>
-            <a:ext cx="2736304" cy="2772308"/>
+            <a:off x="6888088" y="2168860"/>
+            <a:ext cx="1152128" cy="576064"/>
           </a:xfrm>
           <a:prstGeom prst="roundRect">
             <a:avLst>
-              <a:gd name="adj" fmla="val 7828"/>
+              <a:gd name="adj" fmla="val 12476"/>
             </a:avLst>
           </a:prstGeom>
           <a:solidFill>
-            <a:srgbClr val="99FFCC">
-              <a:alpha val="50196"/>
-            </a:srgbClr>
+            <a:srgbClr val="99FFCC"/>
           </a:solidFill>
-          <a:ln w="28575">
+          <a:ln w="19050">
             <a:solidFill>
               <a:srgbClr val="00B050"/>
             </a:solidFill>
-            <a:prstDash val="dash"/>
           </a:ln>
         </p:spPr>
         <p:style>
@@ -9631,19 +10110,27 @@
           </a:fontRef>
         </p:style>
         <p:txBody>
-          <a:bodyPr rtlCol="0" anchor="t"/>
+          <a:bodyPr rtlCol="0" anchor="ctr"/>
           <a:lstStyle/>
           <a:p>
             <a:pPr algn="ctr"/>
             <a:r>
-              <a:rPr lang="es-ES" sz="1600" smtClean="0">
+              <a:rPr lang="es-ES" sz="1200" smtClean="0"/>
+              <a:t>ROM Audio</a:t>
+            </a:r>
+            <a:endParaRPr lang="es-ES" sz="1200"/>
+          </a:p>
+          <a:p>
+            <a:pPr algn="ctr"/>
+            <a:r>
+              <a:rPr lang="es-ES" sz="1100" smtClean="0">
                 <a:solidFill>
                   <a:srgbClr val="006600"/>
                 </a:solidFill>
               </a:rPr>
-              <a:t>Cartucho</a:t>
-            </a:r>
-            <a:endParaRPr lang="es-ES" sz="1600">
+              <a:t>(sonidos)</a:t>
+            </a:r>
+            <a:endParaRPr lang="es-ES" sz="1100">
               <a:solidFill>
                 <a:srgbClr val="006600"/>
               </a:solidFill>
@@ -9653,13 +10140,13 @@
       </p:sp>
       <p:sp>
         <p:nvSpPr>
-          <p:cNvPr id="18" name="17 Rectángulo redondeado"/>
+          <p:cNvPr id="6" name="5 Rectángulo redondeado"/>
           <p:cNvSpPr/>
           <p:nvPr/>
         </p:nvSpPr>
         <p:spPr>
           <a:xfrm>
-            <a:off x="6384032" y="2654914"/>
+            <a:off x="5555940" y="2168860"/>
             <a:ext cx="1152128" cy="576064"/>
           </a:xfrm>
           <a:prstGeom prst="roundRect">
@@ -9697,40 +10184,48 @@
             <a:pPr algn="ctr"/>
             <a:r>
               <a:rPr lang="es-ES" sz="1200" smtClean="0"/>
-              <a:t>Audio </a:t>
-            </a:r>
-            <a:r>
-              <a:rPr lang="es-ES" sz="1200"/>
-              <a:t>ROM</a:t>
-            </a:r>
+              <a:t>ROM Video</a:t>
+            </a:r>
+            <a:endParaRPr lang="es-ES" sz="1200"/>
           </a:p>
           <a:p>
             <a:pPr algn="ctr"/>
+            <a:r>
+              <a:rPr lang="es-ES" sz="1100">
+                <a:solidFill>
+                  <a:srgbClr val="006600"/>
+                </a:solidFill>
+              </a:rPr>
+              <a:t>(</a:t>
+            </a:r>
             <a:r>
               <a:rPr lang="es-ES" sz="1100" smtClean="0">
                 <a:solidFill>
                   <a:srgbClr val="006600"/>
                 </a:solidFill>
               </a:rPr>
-              <a:t>(sonidos)</a:t>
-            </a:r>
-            <a:endParaRPr lang="es-ES" sz="1100">
-              <a:solidFill>
-                <a:srgbClr val="006600"/>
-              </a:solidFill>
-            </a:endParaRPr>
-          </a:p>
-        </p:txBody>
-      </p:sp>
-      <p:sp>
-        <p:nvSpPr>
-          <p:cNvPr id="19" name="18 Rectángulo redondeado"/>
+              <a:t>imágenes</a:t>
+            </a:r>
+            <a:r>
+              <a:rPr lang="es-ES" sz="1100">
+                <a:solidFill>
+                  <a:srgbClr val="006600"/>
+                </a:solidFill>
+              </a:rPr>
+              <a:t>)</a:t>
+            </a:r>
+          </a:p>
+        </p:txBody>
+      </p:sp>
+      <p:sp>
+        <p:nvSpPr>
+          <p:cNvPr id="7" name="6 Rectángulo redondeado"/>
           <p:cNvSpPr/>
           <p:nvPr/>
         </p:nvSpPr>
         <p:spPr>
           <a:xfrm>
-            <a:off x="6384032" y="1934834"/>
+            <a:off x="4223792" y="2168860"/>
             <a:ext cx="1152128" cy="576064"/>
           </a:xfrm>
           <a:prstGeom prst="roundRect">
@@ -9767,62 +10262,55 @@
           <a:p>
             <a:pPr algn="ctr"/>
             <a:r>
-              <a:rPr lang="es-ES" sz="1200"/>
-              <a:t>Video ROM</a:t>
-            </a:r>
+              <a:rPr lang="es-ES" sz="1150" smtClean="0"/>
+              <a:t>ROM Programa</a:t>
+            </a:r>
+            <a:endParaRPr lang="es-ES" sz="1150"/>
           </a:p>
           <a:p>
             <a:pPr algn="ctr"/>
-            <a:r>
-              <a:rPr lang="es-ES" sz="1100">
-                <a:solidFill>
-                  <a:srgbClr val="006600"/>
-                </a:solidFill>
-              </a:rPr>
-              <a:t>(</a:t>
-            </a:r>
             <a:r>
               <a:rPr lang="es-ES" sz="1100" smtClean="0">
                 <a:solidFill>
                   <a:srgbClr val="006600"/>
                 </a:solidFill>
               </a:rPr>
-              <a:t>imágenes</a:t>
-            </a:r>
-            <a:r>
-              <a:rPr lang="es-ES" sz="1100">
-                <a:solidFill>
-                  <a:srgbClr val="006600"/>
-                </a:solidFill>
-              </a:rPr>
-              <a:t>)</a:t>
-            </a:r>
-          </a:p>
-        </p:txBody>
-      </p:sp>
-      <p:sp>
-        <p:nvSpPr>
-          <p:cNvPr id="20" name="19 Rectángulo redondeado"/>
+              <a:t>(palabras)</a:t>
+            </a:r>
+            <a:endParaRPr lang="es-ES" sz="1100">
+              <a:solidFill>
+                <a:srgbClr val="006600"/>
+              </a:solidFill>
+            </a:endParaRPr>
+          </a:p>
+        </p:txBody>
+      </p:sp>
+      <p:sp>
+        <p:nvSpPr>
+          <p:cNvPr id="8" name="7 Rectángulo redondeado"/>
           <p:cNvSpPr/>
           <p:nvPr/>
         </p:nvSpPr>
         <p:spPr>
           <a:xfrm>
-            <a:off x="6384032" y="1214754"/>
-            <a:ext cx="1152128" cy="576064"/>
+            <a:off x="5303912" y="3933056"/>
+            <a:ext cx="1656184" cy="1296144"/>
           </a:xfrm>
           <a:prstGeom prst="roundRect">
             <a:avLst>
-              <a:gd name="adj" fmla="val 12476"/>
+              <a:gd name="adj" fmla="val 11157"/>
             </a:avLst>
           </a:prstGeom>
           <a:solidFill>
-            <a:srgbClr val="99FFCC"/>
+            <a:srgbClr val="99FFCC">
+              <a:alpha val="50196"/>
+            </a:srgbClr>
           </a:solidFill>
-          <a:ln w="19050">
+          <a:ln w="28575">
             <a:solidFill>
               <a:srgbClr val="00B050"/>
             </a:solidFill>
+            <a:prstDash val="dash"/>
           </a:ln>
         </p:spPr>
         <p:style>
@@ -9840,18 +10328,441 @@
           </a:fontRef>
         </p:style>
         <p:txBody>
+          <a:bodyPr rtlCol="0" anchor="t"/>
+          <a:lstStyle/>
+          <a:p>
+            <a:pPr algn="ctr"/>
+            <a:r>
+              <a:rPr lang="es-ES" sz="1600" smtClean="0">
+                <a:solidFill>
+                  <a:srgbClr val="006600"/>
+                </a:solidFill>
+              </a:rPr>
+              <a:t>Tarj. memoria</a:t>
+            </a:r>
+            <a:endParaRPr lang="es-ES" sz="1600">
+              <a:solidFill>
+                <a:srgbClr val="006600"/>
+              </a:solidFill>
+            </a:endParaRPr>
+          </a:p>
+        </p:txBody>
+      </p:sp>
+      <p:sp>
+        <p:nvSpPr>
+          <p:cNvPr id="11" name="10 Rectángulo redondeado"/>
+          <p:cNvSpPr/>
+          <p:nvPr/>
+        </p:nvSpPr>
+        <p:spPr>
+          <a:xfrm>
+            <a:off x="5555940" y="4437112"/>
+            <a:ext cx="1152128" cy="576064"/>
+          </a:xfrm>
+          <a:prstGeom prst="roundRect">
+            <a:avLst>
+              <a:gd name="adj" fmla="val 12476"/>
+            </a:avLst>
+          </a:prstGeom>
+          <a:solidFill>
+            <a:srgbClr val="99FFCC"/>
+          </a:solidFill>
+          <a:ln w="19050">
+            <a:solidFill>
+              <a:srgbClr val="00B050"/>
+            </a:solidFill>
+          </a:ln>
+        </p:spPr>
+        <p:style>
+          <a:lnRef idx="2">
+            <a:schemeClr val="dk1"/>
+          </a:lnRef>
+          <a:fillRef idx="1">
+            <a:schemeClr val="lt1"/>
+          </a:fillRef>
+          <a:effectRef idx="0">
+            <a:schemeClr val="dk1"/>
+          </a:effectRef>
+          <a:fontRef idx="minor">
+            <a:schemeClr val="dk1"/>
+          </a:fontRef>
+        </p:style>
+        <p:txBody>
           <a:bodyPr rtlCol="0" anchor="ctr"/>
           <a:lstStyle/>
           <a:p>
             <a:pPr algn="ctr"/>
             <a:r>
               <a:rPr lang="es-ES" sz="1200" smtClean="0"/>
-              <a:t>Program </a:t>
-            </a:r>
-            <a:r>
-              <a:rPr lang="es-ES" sz="1200"/>
-              <a:t>ROM</a:t>
-            </a:r>
+              <a:t>RAM guardado</a:t>
+            </a:r>
+            <a:endParaRPr lang="es-ES" sz="1200"/>
+          </a:p>
+          <a:p>
+            <a:pPr algn="ctr"/>
+            <a:r>
+              <a:rPr lang="es-ES" sz="1100" smtClean="0">
+                <a:solidFill>
+                  <a:srgbClr val="006600"/>
+                </a:solidFill>
+              </a:rPr>
+              <a:t>(palabras)</a:t>
+            </a:r>
+            <a:endParaRPr lang="es-ES" sz="1100">
+              <a:solidFill>
+                <a:srgbClr val="006600"/>
+              </a:solidFill>
+            </a:endParaRPr>
+          </a:p>
+        </p:txBody>
+      </p:sp>
+    </p:spTree>
+  </p:cSld>
+  <p:clrMapOvr>
+    <a:masterClrMapping/>
+  </p:clrMapOvr>
+</p:sld>
+</file>
+
+<file path=ppt/slides/slide8.xml><?xml version="1.0" encoding="utf-8"?>
+<p:sld xmlns:a="http://schemas.openxmlformats.org/drawingml/2006/main" xmlns:r="http://schemas.openxmlformats.org/officeDocument/2006/relationships" xmlns:p="http://schemas.openxmlformats.org/presentationml/2006/main">
+  <p:cSld>
+    <p:spTree>
+      <p:nvGrpSpPr>
+        <p:cNvPr id="1" name=""/>
+        <p:cNvGrpSpPr/>
+        <p:nvPr/>
+      </p:nvGrpSpPr>
+      <p:grpSpPr>
+        <a:xfrm>
+          <a:off x="0" y="0"/>
+          <a:ext cx="0" cy="0"/>
+          <a:chOff x="0" y="0"/>
+          <a:chExt cx="0" cy="0"/>
+        </a:xfrm>
+      </p:grpSpPr>
+      <p:sp>
+        <p:nvSpPr>
+          <p:cNvPr id="43" name="42 Rectángulo redondeado"/>
+          <p:cNvSpPr/>
+          <p:nvPr/>
+        </p:nvSpPr>
+        <p:spPr>
+          <a:xfrm>
+            <a:off x="5051884" y="4311098"/>
+            <a:ext cx="2736304" cy="1764196"/>
+          </a:xfrm>
+          <a:prstGeom prst="roundRect">
+            <a:avLst>
+              <a:gd name="adj" fmla="val 11632"/>
+            </a:avLst>
+          </a:prstGeom>
+          <a:solidFill>
+            <a:srgbClr val="99FFCC">
+              <a:alpha val="50196"/>
+            </a:srgbClr>
+          </a:solidFill>
+          <a:ln w="28575">
+            <a:solidFill>
+              <a:srgbClr val="00B050"/>
+            </a:solidFill>
+            <a:prstDash val="dash"/>
+          </a:ln>
+        </p:spPr>
+        <p:style>
+          <a:lnRef idx="2">
+            <a:schemeClr val="dk1"/>
+          </a:lnRef>
+          <a:fillRef idx="1">
+            <a:schemeClr val="lt1"/>
+          </a:fillRef>
+          <a:effectRef idx="0">
+            <a:schemeClr val="dk1"/>
+          </a:effectRef>
+          <a:fontRef idx="minor">
+            <a:schemeClr val="dk1"/>
+          </a:fontRef>
+        </p:style>
+        <p:txBody>
+          <a:bodyPr rtlCol="0" anchor="t"/>
+          <a:lstStyle/>
+          <a:p>
+            <a:pPr algn="ctr"/>
+            <a:r>
+              <a:rPr lang="es-ES" sz="1600" smtClean="0">
+                <a:solidFill>
+                  <a:srgbClr val="006600"/>
+                </a:solidFill>
+              </a:rPr>
+              <a:t>Tarjeta de memoria</a:t>
+            </a:r>
+            <a:endParaRPr lang="es-ES" sz="1600">
+              <a:solidFill>
+                <a:srgbClr val="006600"/>
+              </a:solidFill>
+            </a:endParaRPr>
+          </a:p>
+        </p:txBody>
+      </p:sp>
+      <p:sp>
+        <p:nvSpPr>
+          <p:cNvPr id="17" name="16 Rectángulo redondeado"/>
+          <p:cNvSpPr/>
+          <p:nvPr/>
+        </p:nvSpPr>
+        <p:spPr>
+          <a:xfrm>
+            <a:off x="5051884" y="710698"/>
+            <a:ext cx="2736304" cy="2772308"/>
+          </a:xfrm>
+          <a:prstGeom prst="roundRect">
+            <a:avLst>
+              <a:gd name="adj" fmla="val 7828"/>
+            </a:avLst>
+          </a:prstGeom>
+          <a:solidFill>
+            <a:srgbClr val="99FFCC">
+              <a:alpha val="50196"/>
+            </a:srgbClr>
+          </a:solidFill>
+          <a:ln w="28575">
+            <a:solidFill>
+              <a:srgbClr val="00B050"/>
+            </a:solidFill>
+            <a:prstDash val="dash"/>
+          </a:ln>
+        </p:spPr>
+        <p:style>
+          <a:lnRef idx="2">
+            <a:schemeClr val="dk1"/>
+          </a:lnRef>
+          <a:fillRef idx="1">
+            <a:schemeClr val="lt1"/>
+          </a:fillRef>
+          <a:effectRef idx="0">
+            <a:schemeClr val="dk1"/>
+          </a:effectRef>
+          <a:fontRef idx="minor">
+            <a:schemeClr val="dk1"/>
+          </a:fontRef>
+        </p:style>
+        <p:txBody>
+          <a:bodyPr rtlCol="0" anchor="t"/>
+          <a:lstStyle/>
+          <a:p>
+            <a:pPr algn="ctr"/>
+            <a:r>
+              <a:rPr lang="es-ES" sz="1600" smtClean="0">
+                <a:solidFill>
+                  <a:srgbClr val="006600"/>
+                </a:solidFill>
+              </a:rPr>
+              <a:t>Cartucho</a:t>
+            </a:r>
+            <a:endParaRPr lang="es-ES" sz="1600">
+              <a:solidFill>
+                <a:srgbClr val="006600"/>
+              </a:solidFill>
+            </a:endParaRPr>
+          </a:p>
+        </p:txBody>
+      </p:sp>
+      <p:sp>
+        <p:nvSpPr>
+          <p:cNvPr id="18" name="17 Rectángulo redondeado"/>
+          <p:cNvSpPr/>
+          <p:nvPr/>
+        </p:nvSpPr>
+        <p:spPr>
+          <a:xfrm>
+            <a:off x="6384032" y="2654914"/>
+            <a:ext cx="1152128" cy="576064"/>
+          </a:xfrm>
+          <a:prstGeom prst="roundRect">
+            <a:avLst>
+              <a:gd name="adj" fmla="val 12476"/>
+            </a:avLst>
+          </a:prstGeom>
+          <a:solidFill>
+            <a:srgbClr val="99FFCC"/>
+          </a:solidFill>
+          <a:ln w="19050">
+            <a:solidFill>
+              <a:srgbClr val="00B050"/>
+            </a:solidFill>
+          </a:ln>
+        </p:spPr>
+        <p:style>
+          <a:lnRef idx="2">
+            <a:schemeClr val="dk1"/>
+          </a:lnRef>
+          <a:fillRef idx="1">
+            <a:schemeClr val="lt1"/>
+          </a:fillRef>
+          <a:effectRef idx="0">
+            <a:schemeClr val="dk1"/>
+          </a:effectRef>
+          <a:fontRef idx="minor">
+            <a:schemeClr val="dk1"/>
+          </a:fontRef>
+        </p:style>
+        <p:txBody>
+          <a:bodyPr rtlCol="0" anchor="ctr"/>
+          <a:lstStyle/>
+          <a:p>
+            <a:pPr algn="ctr"/>
+            <a:r>
+              <a:rPr lang="es-ES" sz="1200" smtClean="0"/>
+              <a:t>ROM Audio</a:t>
+            </a:r>
+            <a:endParaRPr lang="es-ES" sz="1200"/>
+          </a:p>
+          <a:p>
+            <a:pPr algn="ctr"/>
+            <a:r>
+              <a:rPr lang="es-ES" sz="1100" smtClean="0">
+                <a:solidFill>
+                  <a:srgbClr val="006600"/>
+                </a:solidFill>
+              </a:rPr>
+              <a:t>(sonidos)</a:t>
+            </a:r>
+            <a:endParaRPr lang="es-ES" sz="1100">
+              <a:solidFill>
+                <a:srgbClr val="006600"/>
+              </a:solidFill>
+            </a:endParaRPr>
+          </a:p>
+        </p:txBody>
+      </p:sp>
+      <p:sp>
+        <p:nvSpPr>
+          <p:cNvPr id="19" name="18 Rectángulo redondeado"/>
+          <p:cNvSpPr/>
+          <p:nvPr/>
+        </p:nvSpPr>
+        <p:spPr>
+          <a:xfrm>
+            <a:off x="6384032" y="1934834"/>
+            <a:ext cx="1152128" cy="576064"/>
+          </a:xfrm>
+          <a:prstGeom prst="roundRect">
+            <a:avLst>
+              <a:gd name="adj" fmla="val 12476"/>
+            </a:avLst>
+          </a:prstGeom>
+          <a:solidFill>
+            <a:srgbClr val="99FFCC"/>
+          </a:solidFill>
+          <a:ln w="19050">
+            <a:solidFill>
+              <a:srgbClr val="00B050"/>
+            </a:solidFill>
+          </a:ln>
+        </p:spPr>
+        <p:style>
+          <a:lnRef idx="2">
+            <a:schemeClr val="dk1"/>
+          </a:lnRef>
+          <a:fillRef idx="1">
+            <a:schemeClr val="lt1"/>
+          </a:fillRef>
+          <a:effectRef idx="0">
+            <a:schemeClr val="dk1"/>
+          </a:effectRef>
+          <a:fontRef idx="minor">
+            <a:schemeClr val="dk1"/>
+          </a:fontRef>
+        </p:style>
+        <p:txBody>
+          <a:bodyPr rtlCol="0" anchor="ctr"/>
+          <a:lstStyle/>
+          <a:p>
+            <a:pPr algn="ctr"/>
+            <a:r>
+              <a:rPr lang="es-ES" sz="1200" smtClean="0"/>
+              <a:t>ROM Video</a:t>
+            </a:r>
+            <a:endParaRPr lang="es-ES" sz="1200"/>
+          </a:p>
+          <a:p>
+            <a:pPr algn="ctr"/>
+            <a:r>
+              <a:rPr lang="es-ES" sz="1100">
+                <a:solidFill>
+                  <a:srgbClr val="006600"/>
+                </a:solidFill>
+              </a:rPr>
+              <a:t>(</a:t>
+            </a:r>
+            <a:r>
+              <a:rPr lang="es-ES" sz="1100" smtClean="0">
+                <a:solidFill>
+                  <a:srgbClr val="006600"/>
+                </a:solidFill>
+              </a:rPr>
+              <a:t>imágenes</a:t>
+            </a:r>
+            <a:r>
+              <a:rPr lang="es-ES" sz="1100">
+                <a:solidFill>
+                  <a:srgbClr val="006600"/>
+                </a:solidFill>
+              </a:rPr>
+              <a:t>)</a:t>
+            </a:r>
+          </a:p>
+        </p:txBody>
+      </p:sp>
+      <p:sp>
+        <p:nvSpPr>
+          <p:cNvPr id="20" name="19 Rectángulo redondeado"/>
+          <p:cNvSpPr/>
+          <p:nvPr/>
+        </p:nvSpPr>
+        <p:spPr>
+          <a:xfrm>
+            <a:off x="6384032" y="1214754"/>
+            <a:ext cx="1152128" cy="576064"/>
+          </a:xfrm>
+          <a:prstGeom prst="roundRect">
+            <a:avLst>
+              <a:gd name="adj" fmla="val 12476"/>
+            </a:avLst>
+          </a:prstGeom>
+          <a:solidFill>
+            <a:srgbClr val="99FFCC"/>
+          </a:solidFill>
+          <a:ln w="19050">
+            <a:solidFill>
+              <a:srgbClr val="00B050"/>
+            </a:solidFill>
+          </a:ln>
+        </p:spPr>
+        <p:style>
+          <a:lnRef idx="2">
+            <a:schemeClr val="dk1"/>
+          </a:lnRef>
+          <a:fillRef idx="1">
+            <a:schemeClr val="lt1"/>
+          </a:fillRef>
+          <a:effectRef idx="0">
+            <a:schemeClr val="dk1"/>
+          </a:effectRef>
+          <a:fontRef idx="minor">
+            <a:schemeClr val="dk1"/>
+          </a:fontRef>
+        </p:style>
+        <p:txBody>
+          <a:bodyPr rtlCol="0" anchor="ctr"/>
+          <a:lstStyle/>
+          <a:p>
+            <a:pPr algn="ctr"/>
+            <a:r>
+              <a:rPr lang="es-ES" sz="1150" smtClean="0"/>
+              <a:t>ROM Programa</a:t>
+            </a:r>
+            <a:endParaRPr lang="es-ES" sz="1150"/>
           </a:p>
           <a:p>
             <a:pPr algn="ctr"/>
